--- a/ITI/TF/Volume1/media/Figure_16.3-1.pptx
+++ b/ITI/TF/Volume1/media/Figure_16.3-1.pptx
@@ -104,6 +104,11 @@
       </a:defRPr>
     </a:lvl9pPr>
   </p:defaultTextStyle>
+  <p:extLst>
+    <p:ext uri="{EFAFB233-063F-42B5-8137-9DF3F51BA10A}">
+      <p15:sldGuideLst xmlns:p15="http://schemas.microsoft.com/office/powerpoint/2012/main"/>
+    </p:ext>
+  </p:extLst>
 </p:presentation>
 </file>
 
@@ -254,7 +259,7 @@
           <a:p>
             <a:fld id="{F503DC7B-3C03-984D-80B7-37BD9269D0A9}" type="datetimeFigureOut">
               <a:rPr lang="en-US" smtClean="0"/>
-              <a:t>8/10/20</a:t>
+              <a:t>8/26/20</a:t>
             </a:fld>
             <a:endParaRPr lang="en-US"/>
           </a:p>
@@ -452,7 +457,7 @@
           <a:p>
             <a:fld id="{F503DC7B-3C03-984D-80B7-37BD9269D0A9}" type="datetimeFigureOut">
               <a:rPr lang="en-US" smtClean="0"/>
-              <a:t>8/10/20</a:t>
+              <a:t>8/26/20</a:t>
             </a:fld>
             <a:endParaRPr lang="en-US"/>
           </a:p>
@@ -660,7 +665,7 @@
           <a:p>
             <a:fld id="{F503DC7B-3C03-984D-80B7-37BD9269D0A9}" type="datetimeFigureOut">
               <a:rPr lang="en-US" smtClean="0"/>
-              <a:t>8/10/20</a:t>
+              <a:t>8/26/20</a:t>
             </a:fld>
             <a:endParaRPr lang="en-US"/>
           </a:p>
@@ -858,7 +863,7 @@
           <a:p>
             <a:fld id="{F503DC7B-3C03-984D-80B7-37BD9269D0A9}" type="datetimeFigureOut">
               <a:rPr lang="en-US" smtClean="0"/>
-              <a:t>8/10/20</a:t>
+              <a:t>8/26/20</a:t>
             </a:fld>
             <a:endParaRPr lang="en-US"/>
           </a:p>
@@ -1133,7 +1138,7 @@
           <a:p>
             <a:fld id="{F503DC7B-3C03-984D-80B7-37BD9269D0A9}" type="datetimeFigureOut">
               <a:rPr lang="en-US" smtClean="0"/>
-              <a:t>8/10/20</a:t>
+              <a:t>8/26/20</a:t>
             </a:fld>
             <a:endParaRPr lang="en-US"/>
           </a:p>
@@ -1398,7 +1403,7 @@
           <a:p>
             <a:fld id="{F503DC7B-3C03-984D-80B7-37BD9269D0A9}" type="datetimeFigureOut">
               <a:rPr lang="en-US" smtClean="0"/>
-              <a:t>8/10/20</a:t>
+              <a:t>8/26/20</a:t>
             </a:fld>
             <a:endParaRPr lang="en-US"/>
           </a:p>
@@ -1810,7 +1815,7 @@
           <a:p>
             <a:fld id="{F503DC7B-3C03-984D-80B7-37BD9269D0A9}" type="datetimeFigureOut">
               <a:rPr lang="en-US" smtClean="0"/>
-              <a:t>8/10/20</a:t>
+              <a:t>8/26/20</a:t>
             </a:fld>
             <a:endParaRPr lang="en-US"/>
           </a:p>
@@ -1951,7 +1956,7 @@
           <a:p>
             <a:fld id="{F503DC7B-3C03-984D-80B7-37BD9269D0A9}" type="datetimeFigureOut">
               <a:rPr lang="en-US" smtClean="0"/>
-              <a:t>8/10/20</a:t>
+              <a:t>8/26/20</a:t>
             </a:fld>
             <a:endParaRPr lang="en-US"/>
           </a:p>
@@ -2064,7 +2069,7 @@
           <a:p>
             <a:fld id="{F503DC7B-3C03-984D-80B7-37BD9269D0A9}" type="datetimeFigureOut">
               <a:rPr lang="en-US" smtClean="0"/>
-              <a:t>8/10/20</a:t>
+              <a:t>8/26/20</a:t>
             </a:fld>
             <a:endParaRPr lang="en-US"/>
           </a:p>
@@ -2375,7 +2380,7 @@
           <a:p>
             <a:fld id="{F503DC7B-3C03-984D-80B7-37BD9269D0A9}" type="datetimeFigureOut">
               <a:rPr lang="en-US" smtClean="0"/>
-              <a:t>8/10/20</a:t>
+              <a:t>8/26/20</a:t>
             </a:fld>
             <a:endParaRPr lang="en-US"/>
           </a:p>
@@ -2663,7 +2668,7 @@
           <a:p>
             <a:fld id="{F503DC7B-3C03-984D-80B7-37BD9269D0A9}" type="datetimeFigureOut">
               <a:rPr lang="en-US" smtClean="0"/>
-              <a:t>8/10/20</a:t>
+              <a:t>8/26/20</a:t>
             </a:fld>
             <a:endParaRPr lang="en-US"/>
           </a:p>
@@ -2904,7 +2909,7 @@
           <a:p>
             <a:fld id="{F503DC7B-3C03-984D-80B7-37BD9269D0A9}" type="datetimeFigureOut">
               <a:rPr lang="en-US" smtClean="0"/>
-              <a:t>8/10/20</a:t>
+              <a:t>8/26/20</a:t>
             </a:fld>
             <a:endParaRPr lang="en-US"/>
           </a:p>
@@ -3337,8 +3342,8 @@
         </p:nvSpPr>
         <p:spPr bwMode="auto">
           <a:xfrm flipH="1" flipV="1">
-            <a:off x="601663" y="768350"/>
-            <a:ext cx="0" cy="830263"/>
+            <a:off x="601663" y="724415"/>
+            <a:ext cx="0" cy="874197"/>
           </a:xfrm>
           <a:prstGeom prst="line">
             <a:avLst/>
@@ -3389,7 +3394,7 @@
         </p:nvSpPr>
         <p:spPr bwMode="auto">
           <a:xfrm flipH="1" flipV="1">
-            <a:off x="720725" y="1123950"/>
+            <a:off x="720725" y="1291216"/>
             <a:ext cx="2374900" cy="0"/>
           </a:xfrm>
           <a:prstGeom prst="line">
@@ -3440,7 +3445,7 @@
         </p:nvSpPr>
         <p:spPr bwMode="auto">
           <a:xfrm>
-            <a:off x="127000" y="530225"/>
+            <a:off x="127000" y="529143"/>
             <a:ext cx="1306513" cy="238125"/>
           </a:xfrm>
           <a:prstGeom prst="rect">
@@ -3490,7 +3495,7 @@
               <a:tabLst/>
             </a:pPr>
             <a:r>
-              <a:rPr kumimoji="0" lang="fr-FR" altLang="en-US" sz="1000" b="0" i="0" u="none" strike="noStrike" cap="none" normalizeH="0" baseline="0">
+              <a:rPr kumimoji="0" lang="fr-FR" altLang="en-US" sz="1000" b="0" i="0" u="none" strike="noStrike" cap="none" normalizeH="0" baseline="0" dirty="0">
                 <a:ln>
                   <a:noFill/>
                 </a:ln>
@@ -3498,12 +3503,13 @@
                   <a:schemeClr val="tx1"/>
                 </a:solidFill>
                 <a:effectLst/>
-                <a:latin typeface="Arial" panose="020B0604020202020204" pitchFamily="34" charset="0"/>
+                <a:latin typeface="Times New Roman" panose="02020603050405020304" pitchFamily="18" charset="0"/>
                 <a:ea typeface="Times New Roman" panose="02020603050405020304" pitchFamily="18" charset="0"/>
+                <a:cs typeface="Times New Roman" panose="02020603050405020304" pitchFamily="18" charset="0"/>
               </a:rPr>
               <a:t>Portable Media Creator</a:t>
             </a:r>
-            <a:endParaRPr kumimoji="0" lang="fr-FR" altLang="en-US" sz="1800" b="0" i="0" u="none" strike="noStrike" cap="none" normalizeH="0" baseline="0">
+            <a:endParaRPr kumimoji="0" lang="fr-FR" altLang="en-US" sz="1800" b="0" i="0" u="none" strike="noStrike" cap="none" normalizeH="0" baseline="0" dirty="0">
               <a:ln>
                 <a:noFill/>
               </a:ln>
@@ -3511,7 +3517,8 @@
                 <a:schemeClr val="tx1"/>
               </a:solidFill>
               <a:effectLst/>
-              <a:latin typeface="Arial" panose="020B0604020202020204" pitchFamily="34" charset="0"/>
+              <a:latin typeface="Times New Roman" panose="02020603050405020304" pitchFamily="18" charset="0"/>
+              <a:cs typeface="Times New Roman" panose="02020603050405020304" pitchFamily="18" charset="0"/>
             </a:endParaRPr>
           </a:p>
         </p:txBody>
@@ -3532,7 +3539,7 @@
         </p:nvSpPr>
         <p:spPr bwMode="auto">
           <a:xfrm>
-            <a:off x="2263775" y="530225"/>
+            <a:off x="2375285" y="541376"/>
             <a:ext cx="1431925" cy="238125"/>
           </a:xfrm>
           <a:prstGeom prst="rect">
@@ -3582,7 +3589,7 @@
               <a:tabLst/>
             </a:pPr>
             <a:r>
-              <a:rPr kumimoji="0" lang="fr-FR" altLang="en-US" sz="1000" b="0" i="0" u="none" strike="noStrike" cap="none" normalizeH="0" baseline="0">
+              <a:rPr kumimoji="0" lang="fr-FR" altLang="en-US" sz="1000" b="0" i="0" u="none" strike="noStrike" cap="none" normalizeH="0" baseline="0" dirty="0">
                 <a:ln>
                   <a:noFill/>
                 </a:ln>
@@ -3590,12 +3597,13 @@
                   <a:schemeClr val="tx1"/>
                 </a:solidFill>
                 <a:effectLst/>
-                <a:latin typeface="Arial" panose="020B0604020202020204" pitchFamily="34" charset="0"/>
+                <a:latin typeface="Times New Roman" panose="02020603050405020304" pitchFamily="18" charset="0"/>
                 <a:ea typeface="Times New Roman" panose="02020603050405020304" pitchFamily="18" charset="0"/>
+                <a:cs typeface="Times New Roman" panose="02020603050405020304" pitchFamily="18" charset="0"/>
               </a:rPr>
               <a:t>Portable Media Importer</a:t>
             </a:r>
-            <a:endParaRPr kumimoji="0" lang="fr-FR" altLang="en-US" sz="1800" b="0" i="0" u="none" strike="noStrike" cap="none" normalizeH="0" baseline="0">
+            <a:endParaRPr kumimoji="0" lang="fr-FR" altLang="en-US" sz="1800" b="0" i="0" u="none" strike="noStrike" cap="none" normalizeH="0" baseline="0" dirty="0">
               <a:ln>
                 <a:noFill/>
               </a:ln>
@@ -3603,7 +3611,8 @@
                 <a:schemeClr val="tx1"/>
               </a:solidFill>
               <a:effectLst/>
-              <a:latin typeface="Arial" panose="020B0604020202020204" pitchFamily="34" charset="0"/>
+              <a:latin typeface="Times New Roman" panose="02020603050405020304" pitchFamily="18" charset="0"/>
+              <a:cs typeface="Times New Roman" panose="02020603050405020304" pitchFamily="18" charset="0"/>
             </a:endParaRPr>
           </a:p>
         </p:txBody>
@@ -3722,7 +3731,7 @@
         </p:nvSpPr>
         <p:spPr bwMode="auto">
           <a:xfrm>
-            <a:off x="838200" y="885825"/>
+            <a:off x="793596" y="1063159"/>
             <a:ext cx="2255838" cy="219075"/>
           </a:xfrm>
           <a:prstGeom prst="rect">
@@ -3777,7 +3786,7 @@
               <a:tabLst/>
             </a:pPr>
             <a:r>
-              <a:rPr kumimoji="0" lang="en-US" altLang="en-US" sz="1000" b="0" i="0" u="none" strike="noStrike" cap="none" normalizeH="0" baseline="0">
+              <a:rPr kumimoji="0" lang="en-US" altLang="en-US" sz="1000" b="0" i="0" u="none" strike="noStrike" cap="none" normalizeH="0" baseline="0" dirty="0">
                 <a:ln>
                   <a:noFill/>
                 </a:ln>
@@ -3785,12 +3794,13 @@
                   <a:schemeClr val="tx1"/>
                 </a:solidFill>
                 <a:effectLst/>
-                <a:latin typeface="Arial" panose="020B0604020202020204" pitchFamily="34" charset="0"/>
+                <a:latin typeface="Times New Roman" panose="02020603050405020304" pitchFamily="18" charset="0"/>
                 <a:ea typeface="Times New Roman" panose="02020603050405020304" pitchFamily="18" charset="0"/>
+                <a:cs typeface="Times New Roman" panose="02020603050405020304" pitchFamily="18" charset="0"/>
               </a:rPr>
               <a:t>Distribute Document Set on Media [ITI-32]</a:t>
             </a:r>
-            <a:endParaRPr kumimoji="0" lang="en-US" altLang="en-US" sz="1800" b="0" i="0" u="none" strike="noStrike" cap="none" normalizeH="0" baseline="0">
+            <a:endParaRPr kumimoji="0" lang="en-US" altLang="en-US" sz="1800" b="0" i="0" u="none" strike="noStrike" cap="none" normalizeH="0" baseline="0" dirty="0">
               <a:ln>
                 <a:noFill/>
               </a:ln>
@@ -3798,7 +3808,8 @@
                 <a:schemeClr val="tx1"/>
               </a:solidFill>
               <a:effectLst/>
-              <a:latin typeface="Arial" panose="020B0604020202020204" pitchFamily="34" charset="0"/>
+              <a:latin typeface="Times New Roman" panose="02020603050405020304" pitchFamily="18" charset="0"/>
+              <a:cs typeface="Times New Roman" panose="02020603050405020304" pitchFamily="18" charset="0"/>
             </a:endParaRPr>
           </a:p>
         </p:txBody>
@@ -3865,8 +3876,8 @@
         </p:nvSpPr>
         <p:spPr bwMode="auto">
           <a:xfrm>
-            <a:off x="0" y="0"/>
-            <a:ext cx="12192000" cy="457200"/>
+            <a:off x="0" y="355084"/>
+            <a:ext cx="184731" cy="369332"/>
           </a:xfrm>
           <a:prstGeom prst="rect">
             <a:avLst/>
@@ -3914,7 +3925,10 @@
           </a:bodyPr>
           <a:lstStyle/>
           <a:p>
-            <a:endParaRPr lang="en-US"/>
+            <a:endParaRPr lang="en-US">
+              <a:latin typeface="Times New Roman" panose="02020603050405020304" pitchFamily="18" charset="0"/>
+              <a:cs typeface="Times New Roman" panose="02020603050405020304" pitchFamily="18" charset="0"/>
+            </a:endParaRPr>
           </a:p>
         </p:txBody>
       </p:sp>
